--- a/docs/毕业答辩.pptx
+++ b/docs/毕业答辩.pptx
@@ -11,6 +11,7 @@
     <p:sldId id="258" r:id="rId5"/>
     <p:sldId id="260" r:id="rId6"/>
     <p:sldId id="259" r:id="rId7"/>
+    <p:sldId id="262" r:id="rId8"/>
   </p:sldIdLst>
   <p:sldSz cx="12192000" cy="6858000"/>
   <p:notesSz cx="6858000" cy="9144000"/>
@@ -109,6 +110,11 @@
       </a:defRPr>
     </a:lvl9pPr>
   </p:defaultTextStyle>
+  <p:extLst>
+    <p:ext uri="{EFAFB233-063F-42B5-8137-9DF3F51BA10A}">
+      <p15:sldGuideLst xmlns:p15="http://schemas.microsoft.com/office/powerpoint/2012/main"/>
+    </p:ext>
+  </p:extLst>
 </p:presentation>
 </file>
 
@@ -386,7 +392,7 @@
           <a:p>
             <a:fld id="{78ABE3C1-DBE1-495D-B57B-2849774B866A}" type="datetimeFigureOut">
               <a:rPr lang="en-US" dirty="0"/>
-              <a:t>4/22/23</a:t>
+              <a:t>4/26/23</a:t>
             </a:fld>
             <a:endParaRPr lang="en-US" dirty="0"/>
           </a:p>
@@ -795,7 +801,7 @@
           <a:p>
             <a:fld id="{446C117F-5CCF-4837-BE5F-2B92066CAFAF}" type="datetimeFigureOut">
               <a:rPr lang="en-US" dirty="0"/>
-              <a:t>4/22/23</a:t>
+              <a:t>4/26/23</a:t>
             </a:fld>
             <a:endParaRPr lang="en-US" dirty="0"/>
           </a:p>
@@ -1126,7 +1132,7 @@
           <a:p>
             <a:fld id="{84EB90BD-B6CE-46B7-997F-7313B992CCDC}" type="datetimeFigureOut">
               <a:rPr lang="en-US" dirty="0"/>
-              <a:t>4/22/23</a:t>
+              <a:t>4/26/23</a:t>
             </a:fld>
             <a:endParaRPr lang="en-US" dirty="0"/>
           </a:p>
@@ -1526,7 +1532,7 @@
           <a:p>
             <a:fld id="{CDB9D11F-B188-461D-B23F-39381795C052}" type="datetimeFigureOut">
               <a:rPr lang="en-US" dirty="0"/>
-              <a:t>4/22/23</a:t>
+              <a:t>4/26/23</a:t>
             </a:fld>
             <a:endParaRPr lang="en-US" dirty="0"/>
           </a:p>
@@ -2089,7 +2095,7 @@
           <a:p>
             <a:fld id="{52E6D8D9-55A2-4063-B0F3-121F44549695}" type="datetimeFigureOut">
               <a:rPr lang="en-US" dirty="0"/>
-              <a:t>4/22/23</a:t>
+              <a:t>4/26/23</a:t>
             </a:fld>
             <a:endParaRPr lang="en-US" dirty="0"/>
           </a:p>
@@ -2765,7 +2771,7 @@
           <a:p>
             <a:fld id="{D4B24536-994D-4021-A283-9F449C0DB509}" type="datetimeFigureOut">
               <a:rPr lang="en-US" dirty="0"/>
-              <a:t>4/22/23</a:t>
+              <a:t>4/26/23</a:t>
             </a:fld>
             <a:endParaRPr lang="en-US" dirty="0"/>
           </a:p>
@@ -3673,7 +3679,7 @@
           <a:p>
             <a:fld id="{3CBBBB78-C96F-47B7-AB17-D852CA960AC9}" type="datetimeFigureOut">
               <a:rPr lang="en-US" dirty="0"/>
-              <a:t>4/22/23</a:t>
+              <a:t>4/26/23</a:t>
             </a:fld>
             <a:endParaRPr lang="en-US" dirty="0"/>
           </a:p>
@@ -3981,7 +3987,7 @@
           <a:p>
             <a:fld id="{1FA3F48C-C7C6-4055-9F49-3777875E72AE}" type="datetimeFigureOut">
               <a:rPr lang="en-US" dirty="0"/>
-              <a:t>4/22/23</a:t>
+              <a:t>4/26/23</a:t>
             </a:fld>
             <a:endParaRPr lang="en-US" dirty="0"/>
           </a:p>
@@ -4240,7 +4246,7 @@
           <a:p>
             <a:fld id="{6178E61D-D431-422C-9764-11DAFE33AB63}" type="datetimeFigureOut">
               <a:rPr lang="en-US" dirty="0"/>
-              <a:t>4/22/23</a:t>
+              <a:t>4/26/23</a:t>
             </a:fld>
             <a:endParaRPr lang="en-US" dirty="0"/>
           </a:p>
@@ -4559,7 +4565,7 @@
           <a:p>
             <a:fld id="{12DE42F4-6EEF-4EF7-8ED4-2208F0F89A08}" type="datetimeFigureOut">
               <a:rPr lang="en-US" dirty="0"/>
-              <a:t>4/22/23</a:t>
+              <a:t>4/26/23</a:t>
             </a:fld>
             <a:endParaRPr lang="en-US" dirty="0"/>
           </a:p>
@@ -4943,7 +4949,7 @@
           <a:p>
             <a:fld id="{30578ACC-22D6-47C1-A373-4FD133E34F3C}" type="datetimeFigureOut">
               <a:rPr lang="en-US" dirty="0"/>
-              <a:t>4/22/23</a:t>
+              <a:t>4/26/23</a:t>
             </a:fld>
             <a:endParaRPr lang="en-US" dirty="0"/>
           </a:p>
@@ -5314,7 +5320,7 @@
           <a:p>
             <a:fld id="{4E5A6C69-6797-4E8A-BF37-F2C3751466E9}" type="datetimeFigureOut">
               <a:rPr lang="en-US" dirty="0"/>
-              <a:t>4/22/23</a:t>
+              <a:t>4/26/23</a:t>
             </a:fld>
             <a:endParaRPr lang="en-US" dirty="0"/>
           </a:p>
@@ -5815,7 +5821,7 @@
           <a:p>
             <a:fld id="{D82014A1-A632-4878-A0D3-F52BA7563730}" type="datetimeFigureOut">
               <a:rPr lang="en-US" dirty="0"/>
-              <a:t>4/22/23</a:t>
+              <a:t>4/26/23</a:t>
             </a:fld>
             <a:endParaRPr lang="en-US" dirty="0"/>
           </a:p>
@@ -6067,7 +6073,7 @@
           <a:p>
             <a:fld id="{CE99F462-093F-4566-844B-4C71F2739DA5}" type="datetimeFigureOut">
               <a:rPr lang="en-US" dirty="0"/>
-              <a:t>4/22/23</a:t>
+              <a:t>4/26/23</a:t>
             </a:fld>
             <a:endParaRPr lang="en-US" dirty="0"/>
           </a:p>
@@ -6225,7 +6231,7 @@
           <a:p>
             <a:fld id="{3D24A7AC-904D-4781-85BA-7D10C17ED021}" type="datetimeFigureOut">
               <a:rPr lang="en-US" dirty="0"/>
-              <a:t>4/22/23</a:t>
+              <a:t>4/26/23</a:t>
             </a:fld>
             <a:endParaRPr lang="en-US" dirty="0"/>
           </a:p>
@@ -6610,7 +6616,7 @@
           <a:p>
             <a:fld id="{E331444B-B92B-4E27-8C94-BB93EAF5CB18}" type="datetimeFigureOut">
               <a:rPr lang="en-US" dirty="0"/>
-              <a:t>4/22/23</a:t>
+              <a:t>4/26/23</a:t>
             </a:fld>
             <a:endParaRPr lang="en-US" dirty="0"/>
           </a:p>
@@ -7014,7 +7020,7 @@
           <a:p>
             <a:fld id="{363EFA5E-FA76-400D-B3DC-F0BA90E6D107}" type="datetimeFigureOut">
               <a:rPr lang="en-US" dirty="0"/>
-              <a:t>4/22/23</a:t>
+              <a:t>4/26/23</a:t>
             </a:fld>
             <a:endParaRPr lang="en-US" dirty="0"/>
           </a:p>
@@ -7253,7 +7259,7 @@
           <a:p>
             <a:fld id="{9D6E9DEC-419B-4CC5-A080-3B06BD5A8291}" type="datetimeFigureOut">
               <a:rPr lang="en-US" dirty="0"/>
-              <a:t>4/22/23</a:t>
+              <a:t>4/26/23</a:t>
             </a:fld>
             <a:endParaRPr lang="en-US" dirty="0"/>
           </a:p>
@@ -7721,7 +7727,7 @@
             </a:r>
             <a:r>
               <a:rPr kumimoji="1" lang="en-US" altLang="zh-CN" dirty="0"/>
-              <a:t>Flutter</a:t>
+              <a:t>java</a:t>
             </a:r>
             <a:r>
               <a:rPr kumimoji="1" lang="zh-CN" altLang="en-US" dirty="0"/>
@@ -7729,11 +7735,46 @@
             </a:r>
             <a:r>
               <a:rPr kumimoji="1" lang="en-US" altLang="zh-CN" dirty="0"/>
-              <a:t>Java</a:t>
+              <a:t>Flutter</a:t>
             </a:r>
             <a:r>
               <a:rPr kumimoji="1" lang="zh-CN" altLang="en-US" dirty="0"/>
               <a:t>开发</a:t>
+            </a:r>
+          </a:p>
+        </p:txBody>
+      </p:sp>
+      <p:sp>
+        <p:nvSpPr>
+          <p:cNvPr id="4" name="文本框 3">
+            <a:extLst>
+              <a:ext uri="{FF2B5EF4-FFF2-40B4-BE49-F238E27FC236}">
+                <a16:creationId xmlns:a16="http://schemas.microsoft.com/office/drawing/2014/main" id="{75E8D4D3-F04F-344A-BA8E-49663ECC8867}"/>
+              </a:ext>
+            </a:extLst>
+          </p:cNvPr>
+          <p:cNvSpPr txBox="1"/>
+          <p:nvPr/>
+        </p:nvSpPr>
+        <p:spPr>
+          <a:xfrm>
+            <a:off x="6096000" y="4952882"/>
+            <a:ext cx="4405373" cy="369332"/>
+          </a:xfrm>
+          <a:prstGeom prst="rect">
+            <a:avLst/>
+          </a:prstGeom>
+          <a:noFill/>
+        </p:spPr>
+        <p:txBody>
+          <a:bodyPr wrap="none" rtlCol="0">
+            <a:spAutoFit/>
+          </a:bodyPr>
+          <a:lstStyle/>
+          <a:p>
+            <a:r>
+              <a:rPr kumimoji="1" lang="zh-CN" altLang="en-US" dirty="0"/>
+              <a:t>答辩人： 姜刚刚          指导老师：孟建峰</a:t>
             </a:r>
           </a:p>
         </p:txBody>
@@ -7791,13 +7832,8 @@
           <a:p>
             <a:r>
               <a:rPr kumimoji="1" lang="zh-CN" altLang="en-US" dirty="0"/>
-              <a:t>项目代码提交</a:t>
-            </a:r>
-            <a:r>
-              <a:rPr kumimoji="1" lang="en-US" altLang="zh-CN" dirty="0"/>
-              <a:t>GitHub</a:t>
-            </a:r>
-            <a:endParaRPr kumimoji="1" lang="zh-CN" altLang="en-US" dirty="0"/>
+              <a:t>项目版本控制</a:t>
+            </a:r>
           </a:p>
         </p:txBody>
       </p:sp>
@@ -7822,6 +7858,40 @@
           <a:bodyPr/>
           <a:lstStyle/>
           <a:p>
+            <a:r>
+              <a:rPr kumimoji="1" lang="zh-CN" altLang="en" dirty="0"/>
+              <a:t>使用</a:t>
+            </a:r>
+            <a:r>
+              <a:rPr kumimoji="1" lang="en-US" altLang="zh-CN" dirty="0"/>
+              <a:t>Git</a:t>
+            </a:r>
+            <a:r>
+              <a:rPr kumimoji="1" lang="zh-CN" altLang="en-US" dirty="0"/>
+              <a:t>进行项目版本控制</a:t>
+            </a:r>
+            <a:endParaRPr kumimoji="1" lang="en" altLang="zh-CN" dirty="0"/>
+          </a:p>
+          <a:p>
+            <a:r>
+              <a:rPr kumimoji="1" lang="en-US" altLang="zh-CN" dirty="0"/>
+              <a:t>Git</a:t>
+            </a:r>
+            <a:r>
+              <a:rPr kumimoji="1" lang="zh-CN" altLang="en-US" dirty="0"/>
+              <a:t>可以有效、高速地处理从很小到非常大的项目版本管理</a:t>
+            </a:r>
+            <a:endParaRPr kumimoji="1" lang="en" altLang="zh-CN" dirty="0"/>
+          </a:p>
+          <a:p>
+            <a:r>
+              <a:rPr kumimoji="1" lang="zh-CN" altLang="en" dirty="0"/>
+              <a:t>项目</a:t>
+            </a:r>
+            <a:r>
+              <a:rPr kumimoji="1" lang="zh-CN" altLang="en-US" dirty="0"/>
+              <a:t>提交地址：</a:t>
+            </a:r>
             <a:r>
               <a:rPr kumimoji="1" lang="en" altLang="zh-CN" dirty="0"/>
               <a:t>https://</a:t>
@@ -7907,21 +7977,8 @@
           <a:p>
             <a:r>
               <a:rPr kumimoji="1" lang="zh-CN" altLang="en-US" dirty="0"/>
-              <a:t>后端基于</a:t>
-            </a:r>
-            <a:r>
-              <a:rPr kumimoji="1" lang="en-US" altLang="zh-CN" dirty="0" err="1"/>
-              <a:t>SpringCloud</a:t>
-            </a:r>
-            <a:r>
-              <a:rPr kumimoji="1" lang="zh-CN" altLang="en-US" dirty="0"/>
-              <a:t> </a:t>
-            </a:r>
-            <a:r>
-              <a:rPr kumimoji="1" lang="en-US" altLang="zh-CN" dirty="0" err="1"/>
-              <a:t>alibaba</a:t>
-            </a:r>
-            <a:endParaRPr kumimoji="1" lang="zh-CN" altLang="en-US" dirty="0"/>
+              <a:t>项目开发架构</a:t>
+            </a:r>
           </a:p>
         </p:txBody>
       </p:sp>
@@ -7948,7 +8005,53 @@
           <a:p>
             <a:r>
               <a:rPr kumimoji="1" lang="zh-CN" altLang="en-US" dirty="0"/>
-              <a:t>所使用的组件有</a:t>
+              <a:t>项目采用微服务的开发方式</a:t>
+            </a:r>
+            <a:endParaRPr kumimoji="1" lang="en-US" altLang="zh-CN" dirty="0"/>
+          </a:p>
+          <a:p>
+            <a:r>
+              <a:rPr kumimoji="1" lang="zh-CN" altLang="en-US" dirty="0"/>
+              <a:t>具体采用</a:t>
+            </a:r>
+            <a:r>
+              <a:rPr kumimoji="1" lang="en-US" altLang="zh-CN" dirty="0" err="1"/>
+              <a:t>SpringCloud</a:t>
+            </a:r>
+            <a:r>
+              <a:rPr kumimoji="1" lang="zh-CN" altLang="en-US" dirty="0"/>
+              <a:t> </a:t>
+            </a:r>
+            <a:r>
+              <a:rPr kumimoji="1" lang="en-US" altLang="zh-CN" dirty="0" err="1"/>
+              <a:t>Aalibaba</a:t>
+            </a:r>
+            <a:r>
+              <a:rPr kumimoji="1" lang="zh-CN" altLang="en-US" dirty="0"/>
+              <a:t>组件开发 </a:t>
+            </a:r>
+            <a:endParaRPr kumimoji="1" lang="en-US" altLang="zh-CN" dirty="0"/>
+          </a:p>
+          <a:p>
+            <a:r>
+              <a:rPr kumimoji="1" lang="en-US" altLang="zh-CN" dirty="0" err="1"/>
+              <a:t>Nacos</a:t>
+            </a:r>
+            <a:r>
+              <a:rPr kumimoji="1" lang="zh-CN" altLang="en-US" dirty="0"/>
+              <a:t>      服务注册中心 地址：</a:t>
+            </a:r>
+            <a:r>
+              <a:rPr kumimoji="1" lang="en" altLang="zh-CN" dirty="0"/>
+              <a:t>http://120.46.217.24:8848/</a:t>
+            </a:r>
+            <a:r>
+              <a:rPr kumimoji="1" lang="en" altLang="zh-CN" dirty="0" err="1"/>
+              <a:t>nacos</a:t>
+            </a:r>
+            <a:r>
+              <a:rPr kumimoji="1" lang="en" altLang="zh-CN" dirty="0"/>
+              <a:t>/</a:t>
             </a:r>
             <a:endParaRPr kumimoji="1" lang="en-US" altLang="zh-CN" dirty="0"/>
           </a:p>
@@ -7957,11 +8060,9 @@
               <a:rPr kumimoji="1" lang="en-US" altLang="zh-CN" dirty="0"/>
               <a:t>Feign</a:t>
             </a:r>
-          </a:p>
-          <a:p>
-            <a:r>
-              <a:rPr kumimoji="1" lang="en-US" altLang="zh-CN" dirty="0" err="1"/>
-              <a:t>Nacos</a:t>
+            <a:r>
+              <a:rPr kumimoji="1" lang="zh-CN" altLang="en-US" dirty="0"/>
+              <a:t>       服务远程调用</a:t>
             </a:r>
             <a:endParaRPr kumimoji="1" lang="en-US" altLang="zh-CN" dirty="0"/>
           </a:p>
@@ -7970,13 +8071,21 @@
               <a:rPr kumimoji="1" lang="en-US" altLang="zh-CN" dirty="0"/>
               <a:t>Gateway</a:t>
             </a:r>
+            <a:r>
+              <a:rPr kumimoji="1" lang="zh-CN" altLang="en-US" dirty="0"/>
+              <a:t>  服务网关</a:t>
+            </a:r>
+            <a:endParaRPr kumimoji="1" lang="en-US" altLang="zh-CN" dirty="0"/>
           </a:p>
           <a:p>
             <a:r>
               <a:rPr kumimoji="1" lang="en-US" altLang="zh-CN" dirty="0" err="1"/>
               <a:t>Hystrix</a:t>
             </a:r>
-            <a:endParaRPr kumimoji="1" lang="zh-CN" altLang="en-US" dirty="0"/>
+            <a:r>
+              <a:rPr kumimoji="1" lang="zh-CN" altLang="en-US" dirty="0"/>
+              <a:t>     服务熔断</a:t>
+            </a:r>
           </a:p>
         </p:txBody>
       </p:sp>
@@ -8033,7 +8142,7 @@
           <a:p>
             <a:r>
               <a:rPr kumimoji="1" lang="zh-CN" altLang="en-US" dirty="0"/>
-              <a:t>实现的具体功能</a:t>
+              <a:t>项目具体功能</a:t>
             </a:r>
           </a:p>
         </p:txBody>
@@ -8068,6 +8177,21 @@
           <a:p>
             <a:r>
               <a:rPr kumimoji="1" lang="zh-CN" altLang="en-US" dirty="0"/>
+              <a:t>分布式</a:t>
+            </a:r>
+            <a:r>
+              <a:rPr kumimoji="1" lang="en-US" altLang="zh-CN" dirty="0"/>
+              <a:t>ID</a:t>
+            </a:r>
+            <a:r>
+              <a:rPr kumimoji="1" lang="zh-CN" altLang="en-US" dirty="0"/>
+              <a:t>  </a:t>
+            </a:r>
+            <a:endParaRPr kumimoji="1" lang="en-US" altLang="zh-CN" dirty="0"/>
+          </a:p>
+          <a:p>
+            <a:r>
+              <a:rPr kumimoji="1" lang="zh-CN" altLang="en-US" dirty="0"/>
               <a:t>身份认证</a:t>
             </a:r>
             <a:endParaRPr kumimoji="1" lang="en-US" altLang="zh-CN" dirty="0"/>
@@ -8098,14 +8222,6 @@
               <a:rPr kumimoji="1" lang="zh-CN" altLang="en-US" dirty="0"/>
               <a:t>文件存储</a:t>
             </a:r>
-            <a:endParaRPr kumimoji="1" lang="en-US" altLang="zh-CN" dirty="0"/>
-          </a:p>
-          <a:p>
-            <a:r>
-              <a:rPr kumimoji="1" lang="en-US" altLang="zh-CN" dirty="0"/>
-              <a:t>Leaf</a:t>
-            </a:r>
-            <a:endParaRPr kumimoji="1" lang="zh-CN" altLang="en-US" dirty="0"/>
           </a:p>
         </p:txBody>
       </p:sp>
@@ -8314,12 +8430,67 @@
           <a:p>
             <a:r>
               <a:rPr kumimoji="1" lang="zh-CN" altLang="en-US" dirty="0"/>
-              <a:t>前端使用款平台框架</a:t>
+              <a:t>前端采用</a:t>
             </a:r>
             <a:r>
               <a:rPr kumimoji="1" lang="en-US" altLang="zh-CN" dirty="0"/>
               <a:t>Flutter</a:t>
             </a:r>
+            <a:r>
+              <a:rPr kumimoji="1" lang="zh-CN" altLang="en-US" dirty="0"/>
+              <a:t>架构开发</a:t>
+            </a:r>
+            <a:endParaRPr kumimoji="1" lang="en-US" altLang="zh-CN" dirty="0"/>
+          </a:p>
+          <a:p>
+            <a:r>
+              <a:rPr kumimoji="1" lang="en" altLang="zh-CN" dirty="0"/>
+              <a:t>Flutter</a:t>
+            </a:r>
+            <a:r>
+              <a:rPr kumimoji="1" lang="zh-CN" altLang="en-US" dirty="0"/>
+              <a:t>是一款移动应用程序</a:t>
+            </a:r>
+            <a:r>
+              <a:rPr kumimoji="1" lang="en" altLang="zh-CN" dirty="0"/>
+              <a:t>SDK</a:t>
+            </a:r>
+            <a:r>
+              <a:rPr kumimoji="1" lang="zh-CN" altLang="en" dirty="0"/>
+              <a:t>，</a:t>
+            </a:r>
+            <a:r>
+              <a:rPr kumimoji="1" lang="zh-CN" altLang="en-US" dirty="0"/>
+              <a:t>一份代码可以同时生成</a:t>
+            </a:r>
+            <a:r>
+              <a:rPr kumimoji="1" lang="en" altLang="zh-CN" dirty="0"/>
+              <a:t>iOS</a:t>
+            </a:r>
+            <a:r>
+              <a:rPr kumimoji="1" lang="zh-CN" altLang="en-US" dirty="0"/>
+              <a:t>和</a:t>
+            </a:r>
+            <a:r>
+              <a:rPr kumimoji="1" lang="en" altLang="zh-CN" dirty="0"/>
+              <a:t>Android</a:t>
+            </a:r>
+            <a:r>
+              <a:rPr kumimoji="1" lang="zh-CN" altLang="en-US" dirty="0"/>
+              <a:t>两个高性能、高保真、表现一致的应用程序。</a:t>
+            </a:r>
+            <a:br>
+              <a:rPr kumimoji="1" lang="zh-CN" altLang="en-US" dirty="0"/>
+            </a:br>
+            <a:r>
+              <a:rPr kumimoji="1" lang="en" altLang="zh-CN" dirty="0"/>
+              <a:t>Flutter</a:t>
+            </a:r>
+            <a:r>
+              <a:rPr kumimoji="1" lang="zh-CN" altLang="en-US" dirty="0"/>
+              <a:t>目标是使开发人员能够交付在不同平台上都感觉自然流畅的高性能应用程序。</a:t>
+            </a:r>
+            <a:endParaRPr kumimoji="1" lang="en-US" altLang="zh-CN" dirty="0"/>
           </a:p>
           <a:p>
             <a:pPr marL="0" indent="0">
@@ -8333,6 +8504,64 @@
     <p:extLst>
       <p:ext uri="{BB962C8B-B14F-4D97-AF65-F5344CB8AC3E}">
         <p14:creationId xmlns:p14="http://schemas.microsoft.com/office/powerpoint/2010/main" val="507536208"/>
+      </p:ext>
+    </p:extLst>
+  </p:cSld>
+  <p:clrMapOvr>
+    <a:masterClrMapping/>
+  </p:clrMapOvr>
+</p:sld>
+</file>
+
+<file path=ppt/slides/slide7.xml><?xml version="1.0" encoding="utf-8"?>
+<p:sld xmlns:a="http://schemas.openxmlformats.org/drawingml/2006/main" xmlns:r="http://schemas.openxmlformats.org/officeDocument/2006/relationships" xmlns:p="http://schemas.openxmlformats.org/presentationml/2006/main">
+  <p:cSld>
+    <p:spTree>
+      <p:nvGrpSpPr>
+        <p:cNvPr id="1" name=""/>
+        <p:cNvGrpSpPr/>
+        <p:nvPr/>
+      </p:nvGrpSpPr>
+      <p:grpSpPr>
+        <a:xfrm>
+          <a:off x="0" y="0"/>
+          <a:ext cx="0" cy="0"/>
+          <a:chOff x="0" y="0"/>
+          <a:chExt cx="0" cy="0"/>
+        </a:xfrm>
+      </p:grpSpPr>
+      <p:sp>
+        <p:nvSpPr>
+          <p:cNvPr id="2" name="标题 1">
+            <a:extLst>
+              <a:ext uri="{FF2B5EF4-FFF2-40B4-BE49-F238E27FC236}">
+                <a16:creationId xmlns:a16="http://schemas.microsoft.com/office/drawing/2014/main" id="{4AFE0955-B681-C244-8DEA-A93128AA5803}"/>
+              </a:ext>
+            </a:extLst>
+          </p:cNvPr>
+          <p:cNvSpPr>
+            <a:spLocks noGrp="1"/>
+          </p:cNvSpPr>
+          <p:nvPr>
+            <p:ph type="title"/>
+          </p:nvPr>
+        </p:nvSpPr>
+        <p:spPr/>
+        <p:txBody>
+          <a:bodyPr/>
+          <a:lstStyle/>
+          <a:p>
+            <a:r>
+              <a:rPr kumimoji="1" lang="zh-CN" altLang="en-US" dirty="0"/>
+              <a:t>谢谢聆听</a:t>
+            </a:r>
+          </a:p>
+        </p:txBody>
+      </p:sp>
+    </p:spTree>
+    <p:extLst>
+      <p:ext uri="{BB962C8B-B14F-4D97-AF65-F5344CB8AC3E}">
+        <p14:creationId xmlns:p14="http://schemas.microsoft.com/office/powerpoint/2010/main" val="1945146421"/>
       </p:ext>
     </p:extLst>
   </p:cSld>
